--- a/tugas 1.pptx
+++ b/tugas 1.pptx
@@ -7293,36 +7293,10 @@
               </a:spcBef>
             </a:pPr>
             <a:r>
-              <a:rPr lang="id-ID" altLang="ko-KR" b="1" dirty="0" smtClean="0">
-                <a:latin typeface="Century Gothic" pitchFamily="34" charset="0"/>
-              </a:rPr>
-              <a:t>MUHAMMAD RAIHAN ALBAB</a:t>
-            </a:r>
-          </a:p>
-          <a:p>
-            <a:pPr>
-              <a:spcBef>
-                <a:spcPts val="0"/>
-              </a:spcBef>
-            </a:pPr>
-            <a:r>
-              <a:rPr lang="id-ID" altLang="ko-KR" b="1" dirty="0" smtClean="0">
-                <a:latin typeface="Century Gothic" pitchFamily="34" charset="0"/>
-              </a:rPr>
-              <a:t>54415726</a:t>
-            </a:r>
-          </a:p>
-          <a:p>
-            <a:pPr>
-              <a:spcBef>
-                <a:spcPts val="0"/>
-              </a:spcBef>
-            </a:pPr>
-            <a:r>
-              <a:rPr lang="id-ID" altLang="ko-KR" b="1" dirty="0" smtClean="0">
-                <a:latin typeface="Century Gothic" pitchFamily="34" charset="0"/>
-              </a:rPr>
-              <a:t>4IA17</a:t>
+              <a:rPr lang="en-US" altLang="ko-KR" smtClean="0">
+                <a:latin typeface="Century Gothic" pitchFamily="34" charset="0"/>
+              </a:rPr>
+              <a:t>asdsadsadsadsa</a:t>
             </a:r>
             <a:endParaRPr lang="en-US" altLang="ko-KR" dirty="0">
               <a:latin typeface="Century Gothic" pitchFamily="34" charset="0"/>
